--- a/print/Precal2_02_02.pptx
+++ b/print/Precal2_02_02.pptx
@@ -18,6 +18,7 @@
     <p:sldId id="263" r:id="rId15"/>
     <p:sldId id="264" r:id="rId16"/>
     <p:sldId id="265" r:id="rId17"/>
+    <p:sldId id="266" r:id="rId18"/>
   </p:sldIdLst>
   <p:sldSz cx="9144000" cy="5143500"/>
   <p:notesSz cx="6858000" cy="9144000"/>
@@ -627,6 +628,76 @@
           </a:p>
           <a:p>
             <a:pPr/>
+          </a:p>
+        </p:txBody>
+      </p:sp>
+    </p:spTree>
+  </p:cSld>
+  <p:clrMapOvr>
+    <a:masterClrMapping/>
+  </p:clrMapOvr>
+</p:notes>
+</file>
+
+<file path=ppt/notesSlides/notesSlide3.xml><?xml version="1.0" encoding="utf-8"?>
+<p:notes xmlns:a="http://schemas.openxmlformats.org/drawingml/2006/main" xmlns:r="http://schemas.openxmlformats.org/officeDocument/2006/relationships" xmlns:p="http://schemas.openxmlformats.org/presentationml/2006/main" xmlns:m="http://schemas.openxmlformats.org/officeDocument/2006/math" xmlns:a14="http://schemas.microsoft.com/office/drawing/2010/main" showMasterSp="1" showMasterPhAnim="1">
+  <p:cSld>
+    <p:spTree>
+      <p:nvGrpSpPr>
+        <p:cNvPr id="1" name=""/>
+        <p:cNvGrpSpPr/>
+        <p:nvPr/>
+      </p:nvGrpSpPr>
+      <p:grpSpPr>
+        <a:xfrm>
+          <a:off x="0" y="0"/>
+          <a:ext cx="0" cy="0"/>
+          <a:chOff x="0" y="0"/>
+          <a:chExt cx="0" cy="0"/>
+        </a:xfrm>
+      </p:grpSpPr>
+      <p:sp>
+        <p:nvSpPr>
+          <p:cNvPr id="235" name="Shape 235"/>
+          <p:cNvSpPr/>
+          <p:nvPr>
+            <p:ph type="sldImg"/>
+          </p:nvPr>
+        </p:nvSpPr>
+        <p:spPr>
+          <a:prstGeom prst="rect">
+            <a:avLst/>
+          </a:prstGeom>
+        </p:spPr>
+        <p:txBody>
+          <a:bodyPr/>
+          <a:lstStyle/>
+          <a:p>
+            <a:pPr/>
+          </a:p>
+        </p:txBody>
+      </p:sp>
+      <p:sp>
+        <p:nvSpPr>
+          <p:cNvPr id="236" name="Shape 236"/>
+          <p:cNvSpPr/>
+          <p:nvPr>
+            <p:ph type="body" sz="quarter" idx="1"/>
+          </p:nvPr>
+        </p:nvSpPr>
+        <p:spPr>
+          <a:prstGeom prst="rect">
+            <a:avLst/>
+          </a:prstGeom>
+        </p:spPr>
+        <p:txBody>
+          <a:bodyPr/>
+          <a:lstStyle/>
+          <a:p>
+            <a:pPr/>
+            <a:r>
+              <a:t>possible exit tickets</a:t>
+            </a:r>
           </a:p>
         </p:txBody>
       </p:sp>
@@ -5308,7 +5379,91 @@
       </p:grpSpPr>
       <p:sp>
         <p:nvSpPr>
-          <p:cNvPr id="233" name="Google Shape;119;p19"/>
+          <p:cNvPr id="233" name="Reflection"/>
+          <p:cNvSpPr txBox="1"/>
+          <p:nvPr>
+            <p:ph type="title"/>
+          </p:nvPr>
+        </p:nvSpPr>
+        <p:spPr>
+          <a:prstGeom prst="rect">
+            <a:avLst/>
+          </a:prstGeom>
+        </p:spPr>
+        <p:txBody>
+          <a:bodyPr/>
+          <a:lstStyle>
+            <a:lvl1pPr defTabSz="886968">
+              <a:defRPr sz="2910"/>
+            </a:lvl1pPr>
+          </a:lstStyle>
+          <a:p>
+            <a:pPr/>
+            <a:r>
+              <a:t>Reflection</a:t>
+            </a:r>
+          </a:p>
+        </p:txBody>
+      </p:sp>
+      <p:sp>
+        <p:nvSpPr>
+          <p:cNvPr id="234" name="How is elimination different from substitution?…"/>
+          <p:cNvSpPr txBox="1"/>
+          <p:nvPr>
+            <p:ph type="body" idx="1"/>
+          </p:nvPr>
+        </p:nvSpPr>
+        <p:spPr>
+          <a:prstGeom prst="rect">
+            <a:avLst/>
+          </a:prstGeom>
+        </p:spPr>
+        <p:txBody>
+          <a:bodyPr/>
+          <a:lstStyle/>
+          <a:p>
+            <a:pPr/>
+            <a:r>
+              <a:t>How is elimination different from substitution?</a:t>
+            </a:r>
+          </a:p>
+          <a:p>
+            <a:pPr/>
+            <a:r>
+              <a:t>Why is it useful to reduce systems of equations to row-echelon form? </a:t>
+            </a:r>
+          </a:p>
+        </p:txBody>
+      </p:sp>
+    </p:spTree>
+  </p:cSld>
+  <p:clrMapOvr>
+    <a:masterClrMapping/>
+  </p:clrMapOvr>
+  <p:transition xmlns:p14="http://schemas.microsoft.com/office/powerpoint/2010/main" spd="med" advClick="1"/>
+</p:sld>
+</file>
+
+<file path=ppt/slides/slide11.xml><?xml version="1.0" encoding="utf-8"?>
+<p:sld xmlns:a="http://schemas.openxmlformats.org/drawingml/2006/main" xmlns:r="http://schemas.openxmlformats.org/officeDocument/2006/relationships" xmlns:p="http://schemas.openxmlformats.org/presentationml/2006/main" xmlns:m="http://schemas.openxmlformats.org/officeDocument/2006/math" xmlns:a14="http://schemas.microsoft.com/office/drawing/2010/main" showMasterSp="1" showMasterPhAnim="1">
+  <p:cSld>
+    <p:spTree>
+      <p:nvGrpSpPr>
+        <p:cNvPr id="1" name=""/>
+        <p:cNvGrpSpPr/>
+        <p:nvPr/>
+      </p:nvGrpSpPr>
+      <p:grpSpPr>
+        <a:xfrm>
+          <a:off x="0" y="0"/>
+          <a:ext cx="0" cy="0"/>
+          <a:chOff x="0" y="0"/>
+          <a:chExt cx="0" cy="0"/>
+        </a:xfrm>
+      </p:grpSpPr>
+      <p:sp>
+        <p:nvSpPr>
+          <p:cNvPr id="238" name="Google Shape;119;p19"/>
           <p:cNvSpPr txBox="1"/>
           <p:nvPr/>
         </p:nvSpPr>
@@ -5422,7 +5577,7 @@
       </p:sp>
       <p:grpSp>
         <p:nvGrpSpPr>
-          <p:cNvPr id="236" name="Google Shape;118;p19"/>
+          <p:cNvPr id="241" name="Google Shape;118;p19"/>
           <p:cNvGrpSpPr/>
           <p:nvPr/>
         </p:nvGrpSpPr>
@@ -5436,7 +5591,7 @@
         </p:grpSpPr>
         <p:sp>
           <p:nvSpPr>
-            <p:cNvPr id="234" name="Rectangle"/>
+            <p:cNvPr id="239" name="Rectangle"/>
             <p:cNvSpPr/>
             <p:nvPr/>
           </p:nvSpPr>
@@ -5480,7 +5635,7 @@
         </p:sp>
         <p:sp>
           <p:nvSpPr>
-            <p:cNvPr id="235" name="wrapping up!…"/>
+            <p:cNvPr id="240" name="wrapping up!…"/>
             <p:cNvSpPr txBox="1"/>
             <p:nvPr/>
           </p:nvSpPr>
@@ -5557,7 +5712,7 @@
       </p:grpSp>
       <p:pic>
         <p:nvPicPr>
-          <p:cNvPr id="237" name="Image" descr="Image"/>
+          <p:cNvPr id="242" name="Image" descr="Image"/>
           <p:cNvPicPr>
             <a:picLocks noChangeAspect="1"/>
           </p:cNvPicPr>
@@ -7280,9 +7435,9 @@
       </p:par>
     </p:tnLst>
     <p:bldLst>
+      <p:bldP build="whole" bldLvl="1" animBg="1" rev="0" advAuto="0" spid="206" grpId="3"/>
       <p:bldP build="whole" bldLvl="1" animBg="1" rev="0" advAuto="0" spid="209" grpId="2"/>
       <p:bldP build="whole" bldLvl="1" animBg="1" rev="0" advAuto="0" spid="208" grpId="1"/>
-      <p:bldP build="whole" bldLvl="1" animBg="1" rev="0" advAuto="0" spid="206" grpId="3"/>
     </p:bldLst>
   </p:timing>
 </p:sld>
